--- a/ppt/R-03-Structures.pptx
+++ b/ppt/R-03-Structures.pptx
@@ -3713,7 +3713,6 @@
               <a:rPr lang="fr-FR" altLang="fr-FR" dirty="0" smtClean="0"/>
               <a:t>Structures de contrôles</a:t>
             </a:r>
-            <a:endParaRPr lang="fr-FR" altLang="fr-FR" dirty="0" smtClean="0"/>
           </a:p>
           <a:p>
             <a:pPr eaLnBrk="1" hangingPunct="1"/>
@@ -3941,13 +3940,8 @@
           <a:p>
             <a:r>
               <a:rPr lang="fr-FR" dirty="0" smtClean="0"/>
-              <a:t>L’opérateur ternaire existe en </a:t>
-            </a:r>
-            <a:r>
-              <a:rPr lang="fr-FR" dirty="0" smtClean="0"/>
-              <a:t>R</a:t>
-            </a:r>
-            <a:endParaRPr lang="fr-FR" dirty="0" smtClean="0"/>
+              <a:t>L’opérateur ternaire existe en R</a:t>
+            </a:r>
           </a:p>
           <a:p>
             <a:r>
@@ -3960,11 +3954,7 @@
             </a:r>
             <a:r>
               <a:rPr lang="fr-FR" dirty="0" smtClean="0"/>
-              <a:t> simple sur un </a:t>
-            </a:r>
-            <a:r>
-              <a:rPr lang="fr-FR" dirty="0" smtClean="0"/>
-              <a:t>ligne</a:t>
+              <a:t> simple sur un ligne</a:t>
             </a:r>
           </a:p>
           <a:p>
@@ -4046,11 +4036,7 @@
           <a:p>
             <a:r>
               <a:rPr lang="fr-FR" dirty="0" smtClean="0"/>
-              <a:t>Les </a:t>
-            </a:r>
-            <a:r>
-              <a:rPr lang="fr-FR" dirty="0" smtClean="0"/>
-              <a:t>opérateurs</a:t>
+              <a:t>Les opérateurs</a:t>
             </a:r>
             <a:endParaRPr lang="fr-FR" dirty="0"/>
           </a:p>
@@ -4094,22 +4080,14 @@
             <a:pPr lvl="1"/>
             <a:r>
               <a:rPr lang="fr-FR" dirty="0" smtClean="0"/>
-              <a:t>^ ou ** </a:t>
-            </a:r>
+              <a:t>^ ou ** représente la puissance</a:t>
+            </a:r>
+          </a:p>
+          <a:p>
+            <a:pPr lvl="1"/>
             <a:r>
               <a:rPr lang="fr-FR" dirty="0" smtClean="0"/>
-              <a:t>représente la puissance</a:t>
-            </a:r>
-          </a:p>
-          <a:p>
-            <a:pPr lvl="1"/>
-            <a:r>
-              <a:rPr lang="fr-FR" dirty="0" smtClean="0"/>
-              <a:t>%% représente le reste de la division </a:t>
-            </a:r>
-            <a:r>
-              <a:rPr lang="fr-FR" dirty="0" smtClean="0"/>
-              <a:t>entière</a:t>
+              <a:t>%% représente le reste de la division entière</a:t>
             </a:r>
           </a:p>
           <a:p>
@@ -4388,12 +4366,12 @@
           <a:p>
             <a:pPr lvl="1"/>
             <a:r>
-              <a:rPr lang="fr-FR" dirty="0" err="1" smtClean="0"/>
-              <a:t>Attentioon</a:t>
-            </a:r>
-            <a:r>
               <a:rPr lang="fr-FR" dirty="0" smtClean="0"/>
-              <a:t> l'opérateur de comparaison est ==</a:t>
+              <a:t>Attention </a:t>
+            </a:r>
+            <a:r>
+              <a:rPr lang="fr-FR" dirty="0" smtClean="0"/>
+              <a:t>l'opérateur de comparaison est ==</a:t>
             </a:r>
           </a:p>
           <a:p>
@@ -4422,7 +4400,11 @@
             </a:r>
             <a:r>
               <a:rPr lang="es-ES" dirty="0" smtClean="0"/>
-              <a:t>y=x*log(x)</a:t>
+              <a:t>y&lt;-x*log(x</a:t>
+            </a:r>
+            <a:r>
+              <a:rPr lang="es-ES" dirty="0" smtClean="0"/>
+              <a:t>)</a:t>
             </a:r>
           </a:p>
           <a:p>
@@ -4441,7 +4423,11 @@
             </a:r>
             <a:r>
               <a:rPr lang="en-US" dirty="0" smtClean="0"/>
-              <a:t>(x == 0){</a:t>
+              <a:t>(x == 0</a:t>
+            </a:r>
+            <a:r>
+              <a:rPr lang="en-US" dirty="0" smtClean="0"/>
+              <a:t>) {</a:t>
             </a:r>
             <a:endParaRPr lang="en-US" dirty="0"/>
           </a:p>
@@ -4454,9 +4440,14 @@
               <a:t>     </a:t>
             </a:r>
             <a:r>
-              <a:rPr lang="en-US" dirty="0"/>
-              <a:t>x&lt;-x+1</a:t>
-            </a:r>
+              <a:rPr lang="es-ES" dirty="0"/>
+              <a:t>y&lt;-x*log(x</a:t>
+            </a:r>
+            <a:r>
+              <a:rPr lang="es-ES" dirty="0" smtClean="0"/>
+              <a:t>)</a:t>
+            </a:r>
+            <a:endParaRPr lang="en-US" dirty="0"/>
           </a:p>
           <a:p>
             <a:pPr marL="457200" lvl="1" indent="0">

--- a/ppt/R-03-Structures.pptx
+++ b/ppt/R-03-Structures.pptx
@@ -4232,8 +4232,12 @@
           <a:p>
             <a:pPr lvl="1"/>
             <a:r>
+              <a:rPr lang="fr-FR" smtClean="0"/>
+              <a:t>Utilisé </a:t>
+            </a:r>
+            <a:r>
               <a:rPr lang="fr-FR" dirty="0"/>
-              <a:t>Utilise pour la visibilité des variables</a:t>
+              <a:t>pour la visibilité des variables</a:t>
             </a:r>
           </a:p>
           <a:p>
@@ -4367,11 +4371,7 @@
             <a:pPr lvl="1"/>
             <a:r>
               <a:rPr lang="fr-FR" dirty="0" smtClean="0"/>
-              <a:t>Attention </a:t>
-            </a:r>
-            <a:r>
-              <a:rPr lang="fr-FR" dirty="0" smtClean="0"/>
-              <a:t>l'opérateur de comparaison est ==</a:t>
+              <a:t>Attention l'opérateur de comparaison est ==</a:t>
             </a:r>
           </a:p>
           <a:p>
@@ -4400,11 +4400,7 @@
             </a:r>
             <a:r>
               <a:rPr lang="es-ES" dirty="0" smtClean="0"/>
-              <a:t>y&lt;-x*log(x</a:t>
-            </a:r>
-            <a:r>
-              <a:rPr lang="es-ES" dirty="0" smtClean="0"/>
-              <a:t>)</a:t>
+              <a:t>y&lt;-x*log(x)</a:t>
             </a:r>
           </a:p>
           <a:p>
@@ -4423,11 +4419,7 @@
             </a:r>
             <a:r>
               <a:rPr lang="en-US" dirty="0" smtClean="0"/>
-              <a:t>(x == 0</a:t>
-            </a:r>
-            <a:r>
-              <a:rPr lang="en-US" dirty="0" smtClean="0"/>
-              <a:t>) {</a:t>
+              <a:t>(x == 0) {</a:t>
             </a:r>
             <a:endParaRPr lang="en-US" dirty="0"/>
           </a:p>

--- a/ppt/R-03-Structures.pptx
+++ b/ppt/R-03-Structures.pptx
@@ -3880,6 +3880,13 @@
   <p:clrMapOvr>
     <a:masterClrMapping/>
   </p:clrMapOvr>
+  <p:timing>
+    <p:tnLst>
+      <p:par>
+        <p:cTn id="1" dur="indefinite" restart="never" nodeType="tmRoot"/>
+      </p:par>
+    </p:tnLst>
+  </p:timing>
 </p:sld>
 </file>
 
@@ -3999,6 +4006,13 @@
   <p:clrMapOvr>
     <a:masterClrMapping/>
   </p:clrMapOvr>
+  <p:timing>
+    <p:tnLst>
+      <p:par>
+        <p:cTn id="1" dur="indefinite" restart="never" nodeType="tmRoot"/>
+      </p:par>
+    </p:tnLst>
+  </p:timing>
 </p:sld>
 </file>
 
@@ -4166,6 +4180,13 @@
   <p:clrMapOvr>
     <a:masterClrMapping/>
   </p:clrMapOvr>
+  <p:timing>
+    <p:tnLst>
+      <p:par>
+        <p:cTn id="1" dur="indefinite" restart="never" nodeType="tmRoot"/>
+      </p:par>
+    </p:tnLst>
+  </p:timing>
 </p:sld>
 </file>
 
@@ -4285,6 +4306,13 @@
   <p:clrMapOvr>
     <a:masterClrMapping/>
   </p:clrMapOvr>
+  <p:timing>
+    <p:tnLst>
+      <p:par>
+        <p:cTn id="1" dur="indefinite" restart="never" nodeType="tmRoot"/>
+      </p:par>
+    </p:tnLst>
+  </p:timing>
 </p:sld>
 </file>
 
@@ -4463,6 +4491,13 @@
   <p:clrMapOvr>
     <a:masterClrMapping/>
   </p:clrMapOvr>
+  <p:timing>
+    <p:tnLst>
+      <p:par>
+        <p:cTn id="1" dur="indefinite" restart="never" nodeType="tmRoot"/>
+      </p:par>
+    </p:tnLst>
+  </p:timing>
 </p:sld>
 </file>
 
@@ -4608,48 +4643,55 @@
               <a:buNone/>
             </a:pPr>
             <a:r>
+              <a:rPr lang="es-ES" sz="2400" smtClean="0"/>
+              <a:t>y=x*log(x</a:t>
+            </a:r>
+            <a:r>
+              <a:rPr lang="es-ES" sz="2400" smtClean="0"/>
+              <a:t>)</a:t>
+            </a:r>
+          </a:p>
+          <a:p>
+            <a:pPr marL="914400" lvl="2" indent="0">
+              <a:buNone/>
+            </a:pPr>
+            <a:r>
+              <a:rPr lang="es-ES" sz="2400" smtClean="0"/>
+              <a:t>} </a:t>
+            </a:r>
+            <a:r>
+              <a:rPr lang="es-ES" sz="2400" dirty="0" err="1" smtClean="0"/>
+              <a:t>else</a:t>
+            </a:r>
+            <a:r>
+              <a:rPr lang="es-ES" sz="2400" dirty="0" smtClean="0"/>
+              <a:t> </a:t>
+            </a:r>
+            <a:r>
+              <a:rPr lang="es-ES" sz="2400" dirty="0" smtClean="0"/>
+              <a:t>{</a:t>
+            </a:r>
+          </a:p>
+          <a:p>
+            <a:pPr marL="914400" lvl="2" indent="0">
+              <a:buNone/>
+            </a:pPr>
+            <a:r>
+              <a:rPr lang="es-ES" sz="2400" dirty="0" smtClean="0"/>
+              <a:t> y=0</a:t>
+            </a:r>
+          </a:p>
+          <a:p>
+            <a:pPr marL="914400" lvl="2" indent="0">
+              <a:buNone/>
+            </a:pPr>
+            <a:r>
+              <a:rPr lang="es-ES" sz="2400" dirty="0" smtClean="0"/>
+              <a:t>}</a:t>
+            </a:r>
+            <a:r>
               <a:rPr lang="es-ES" dirty="0" smtClean="0"/>
-              <a:t>y=x*log(x)</a:t>
-            </a:r>
-          </a:p>
-          <a:p>
-            <a:pPr marL="914400" lvl="2" indent="0">
-              <a:buNone/>
-            </a:pPr>
-            <a:r>
-              <a:rPr lang="es-ES" dirty="0" smtClean="0"/>
-              <a:t>}</a:t>
-            </a:r>
-          </a:p>
-          <a:p>
-            <a:pPr marL="457200" lvl="1" indent="0">
-              <a:buNone/>
-            </a:pPr>
-            <a:r>
-              <a:rPr lang="es-ES" dirty="0" err="1" smtClean="0"/>
-              <a:t>else</a:t>
-            </a:r>
-            <a:r>
-              <a:rPr lang="es-ES" dirty="0" smtClean="0"/>
-              <a:t> {</a:t>
-            </a:r>
-          </a:p>
-          <a:p>
-            <a:pPr marL="914400" lvl="2" indent="0">
-              <a:buNone/>
-            </a:pPr>
-            <a:r>
-              <a:rPr lang="es-ES" dirty="0" smtClean="0"/>
-              <a:t> y=0</a:t>
-            </a:r>
-          </a:p>
-          <a:p>
-            <a:pPr marL="914400" lvl="2" indent="0">
-              <a:buNone/>
-            </a:pPr>
-            <a:r>
-              <a:rPr lang="es-ES" dirty="0" smtClean="0"/>
-              <a:t>}	</a:t>
+              <a:t>	</a:t>
             </a:r>
             <a:endParaRPr lang="es-ES" dirty="0"/>
           </a:p>
@@ -4672,6 +4714,13 @@
   <p:clrMapOvr>
     <a:masterClrMapping/>
   </p:clrMapOvr>
+  <p:timing>
+    <p:tnLst>
+      <p:par>
+        <p:cTn id="1" dur="indefinite" restart="never" nodeType="tmRoot"/>
+      </p:par>
+    </p:tnLst>
+  </p:timing>
 </p:sld>
 </file>
 
@@ -4749,6 +4798,13 @@
   <p:clrMapOvr>
     <a:masterClrMapping/>
   </p:clrMapOvr>
+  <p:timing>
+    <p:tnLst>
+      <p:par>
+        <p:cTn id="1" dur="indefinite" restart="never" nodeType="tmRoot"/>
+      </p:par>
+    </p:tnLst>
+  </p:timing>
 </p:sld>
 </file>
 
@@ -5408,6 +5464,13 @@
   <p:clrMapOvr>
     <a:masterClrMapping/>
   </p:clrMapOvr>
+  <p:timing>
+    <p:tnLst>
+      <p:par>
+        <p:cTn id="1" dur="indefinite" restart="never" nodeType="tmRoot"/>
+      </p:par>
+    </p:tnLst>
+  </p:timing>
 </p:sld>
 </file>
 
@@ -5611,6 +5674,13 @@
   <p:clrMapOvr>
     <a:masterClrMapping/>
   </p:clrMapOvr>
+  <p:timing>
+    <p:tnLst>
+      <p:par>
+        <p:cTn id="1" dur="indefinite" restart="never" nodeType="tmRoot"/>
+      </p:par>
+    </p:tnLst>
+  </p:timing>
 </p:sld>
 </file>
 
@@ -5811,6 +5881,13 @@
   <p:clrMapOvr>
     <a:masterClrMapping/>
   </p:clrMapOvr>
+  <p:timing>
+    <p:tnLst>
+      <p:par>
+        <p:cTn id="1" dur="indefinite" restart="never" nodeType="tmRoot"/>
+      </p:par>
+    </p:tnLst>
+  </p:timing>
 </p:sld>
 </file>
 

--- a/ppt/R-03-Structures.pptx
+++ b/ppt/R-03-Structures.pptx
@@ -614,35 +614,35 @@
           <a:p>
             <a:pPr lvl="0"/>
             <a:r>
-              <a:rPr lang="fr-FR" noProof="0" smtClean="0"/>
+              <a:rPr lang="fr-FR" noProof="0"/>
               <a:t>Cliquez pour modifier les styles du texte du masque</a:t>
             </a:r>
           </a:p>
           <a:p>
             <a:pPr lvl="1"/>
             <a:r>
-              <a:rPr lang="fr-FR" noProof="0" smtClean="0"/>
+              <a:rPr lang="fr-FR" noProof="0"/>
               <a:t>Deuxième niveau</a:t>
             </a:r>
           </a:p>
           <a:p>
             <a:pPr lvl="2"/>
             <a:r>
-              <a:rPr lang="fr-FR" noProof="0" smtClean="0"/>
+              <a:rPr lang="fr-FR" noProof="0"/>
               <a:t>Troisième niveau</a:t>
             </a:r>
           </a:p>
           <a:p>
             <a:pPr lvl="3"/>
             <a:r>
-              <a:rPr lang="fr-FR" noProof="0" smtClean="0"/>
+              <a:rPr lang="fr-FR" noProof="0"/>
               <a:t>Quatrième niveau</a:t>
             </a:r>
           </a:p>
           <a:p>
             <a:pPr lvl="4"/>
             <a:r>
-              <a:rPr lang="fr-FR" noProof="0" smtClean="0"/>
+              <a:rPr lang="fr-FR" noProof="0"/>
               <a:t>Cinquième niveau</a:t>
             </a:r>
           </a:p>
@@ -930,10 +930,9 @@
           <a:lstStyle/>
           <a:p>
             <a:r>
-              <a:rPr lang="fr-FR" smtClean="0"/>
+              <a:rPr lang="fr-FR"/>
               <a:t>Cliquez pour modifier le style du titre</a:t>
             </a:r>
-            <a:endParaRPr lang="fr-FR"/>
           </a:p>
         </p:txBody>
       </p:sp>
@@ -995,10 +994,9 @@
           </a:lstStyle>
           <a:p>
             <a:r>
-              <a:rPr lang="fr-FR" smtClean="0"/>
+              <a:rPr lang="fr-FR"/>
               <a:t>Cliquez pour modifier le style des sous-titres du masque</a:t>
             </a:r>
-            <a:endParaRPr lang="fr-FR"/>
           </a:p>
         </p:txBody>
       </p:sp>
@@ -1053,10 +1051,9 @@
           <a:lstStyle/>
           <a:p>
             <a:r>
-              <a:rPr lang="fr-FR" smtClean="0"/>
+              <a:rPr lang="fr-FR"/>
               <a:t>Cliquez pour modifier le style du titre</a:t>
             </a:r>
-            <a:endParaRPr lang="fr-FR"/>
           </a:p>
         </p:txBody>
       </p:sp>
@@ -1082,38 +1079,37 @@
           <a:p>
             <a:pPr lvl="0"/>
             <a:r>
-              <a:rPr lang="fr-FR" smtClean="0"/>
+              <a:rPr lang="fr-FR"/>
               <a:t>Cliquez pour modifier les styles du texte du masque</a:t>
             </a:r>
           </a:p>
           <a:p>
             <a:pPr lvl="1"/>
             <a:r>
-              <a:rPr lang="fr-FR" smtClean="0"/>
+              <a:rPr lang="fr-FR"/>
               <a:t>Deuxième niveau</a:t>
             </a:r>
           </a:p>
           <a:p>
             <a:pPr lvl="2"/>
             <a:r>
-              <a:rPr lang="fr-FR" smtClean="0"/>
+              <a:rPr lang="fr-FR"/>
               <a:t>Troisième niveau</a:t>
             </a:r>
           </a:p>
           <a:p>
             <a:pPr lvl="3"/>
             <a:r>
-              <a:rPr lang="fr-FR" smtClean="0"/>
+              <a:rPr lang="fr-FR"/>
               <a:t>Quatrième niveau</a:t>
             </a:r>
           </a:p>
           <a:p>
             <a:pPr lvl="4"/>
             <a:r>
-              <a:rPr lang="fr-FR" smtClean="0"/>
+              <a:rPr lang="fr-FR"/>
               <a:t>Cinquième niveau</a:t>
             </a:r>
-            <a:endParaRPr lang="fr-FR"/>
           </a:p>
         </p:txBody>
       </p:sp>
@@ -1172,10 +1168,9 @@
           </a:lstStyle>
           <a:p>
             <a:r>
-              <a:rPr lang="fr-FR" dirty="0" smtClean="0"/>
+              <a:rPr lang="fr-FR" dirty="0"/>
               <a:t>Cliquez pour modifier le style du titre</a:t>
             </a:r>
-            <a:endParaRPr lang="fr-FR" dirty="0"/>
           </a:p>
         </p:txBody>
       </p:sp>
@@ -1201,38 +1196,37 @@
           <a:p>
             <a:pPr lvl="0"/>
             <a:r>
-              <a:rPr lang="fr-FR" dirty="0" smtClean="0"/>
+              <a:rPr lang="fr-FR" dirty="0"/>
               <a:t>Cliquez pour modifier les styles du texte du masque</a:t>
             </a:r>
           </a:p>
           <a:p>
             <a:pPr lvl="1"/>
             <a:r>
-              <a:rPr lang="fr-FR" dirty="0" smtClean="0"/>
+              <a:rPr lang="fr-FR" dirty="0"/>
               <a:t>Deuxième niveau</a:t>
             </a:r>
           </a:p>
           <a:p>
             <a:pPr lvl="2"/>
             <a:r>
-              <a:rPr lang="fr-FR" dirty="0" smtClean="0"/>
+              <a:rPr lang="fr-FR" dirty="0"/>
               <a:t>Troisième niveau</a:t>
             </a:r>
           </a:p>
           <a:p>
             <a:pPr lvl="3"/>
             <a:r>
-              <a:rPr lang="fr-FR" dirty="0" smtClean="0"/>
+              <a:rPr lang="fr-FR" dirty="0"/>
               <a:t>Quatrième niveau</a:t>
             </a:r>
           </a:p>
           <a:p>
             <a:pPr lvl="4"/>
             <a:r>
-              <a:rPr lang="fr-FR" dirty="0" smtClean="0"/>
+              <a:rPr lang="fr-FR" dirty="0"/>
               <a:t>Cinquième niveau</a:t>
             </a:r>
-            <a:endParaRPr lang="fr-FR" dirty="0"/>
           </a:p>
         </p:txBody>
       </p:sp>
@@ -1282,10 +1276,9 @@
           <a:lstStyle/>
           <a:p>
             <a:r>
-              <a:rPr lang="fr-FR" smtClean="0"/>
+              <a:rPr lang="fr-FR"/>
               <a:t>Cliquez pour modifier le style du titre</a:t>
             </a:r>
-            <a:endParaRPr lang="fr-FR"/>
           </a:p>
         </p:txBody>
       </p:sp>
@@ -1339,38 +1332,37 @@
           <a:p>
             <a:pPr lvl="0"/>
             <a:r>
-              <a:rPr lang="fr-FR" smtClean="0"/>
+              <a:rPr lang="fr-FR"/>
               <a:t>Cliquez pour modifier les styles du texte du masque</a:t>
             </a:r>
           </a:p>
           <a:p>
             <a:pPr lvl="1"/>
             <a:r>
-              <a:rPr lang="fr-FR" smtClean="0"/>
+              <a:rPr lang="fr-FR"/>
               <a:t>Deuxième niveau</a:t>
             </a:r>
           </a:p>
           <a:p>
             <a:pPr lvl="2"/>
             <a:r>
-              <a:rPr lang="fr-FR" smtClean="0"/>
+              <a:rPr lang="fr-FR"/>
               <a:t>Troisième niveau</a:t>
             </a:r>
           </a:p>
           <a:p>
             <a:pPr lvl="3"/>
             <a:r>
-              <a:rPr lang="fr-FR" smtClean="0"/>
+              <a:rPr lang="fr-FR"/>
               <a:t>Quatrième niveau</a:t>
             </a:r>
           </a:p>
           <a:p>
             <a:pPr lvl="4"/>
             <a:r>
-              <a:rPr lang="fr-FR" smtClean="0"/>
+              <a:rPr lang="fr-FR"/>
               <a:t>Cinquième niveau</a:t>
             </a:r>
-            <a:endParaRPr lang="fr-FR"/>
           </a:p>
         </p:txBody>
       </p:sp>
@@ -1424,38 +1416,37 @@
           <a:p>
             <a:pPr lvl="0"/>
             <a:r>
-              <a:rPr lang="fr-FR" smtClean="0"/>
+              <a:rPr lang="fr-FR"/>
               <a:t>Cliquez pour modifier les styles du texte du masque</a:t>
             </a:r>
           </a:p>
           <a:p>
             <a:pPr lvl="1"/>
             <a:r>
-              <a:rPr lang="fr-FR" smtClean="0"/>
+              <a:rPr lang="fr-FR"/>
               <a:t>Deuxième niveau</a:t>
             </a:r>
           </a:p>
           <a:p>
             <a:pPr lvl="2"/>
             <a:r>
-              <a:rPr lang="fr-FR" smtClean="0"/>
+              <a:rPr lang="fr-FR"/>
               <a:t>Troisième niveau</a:t>
             </a:r>
           </a:p>
           <a:p>
             <a:pPr lvl="3"/>
             <a:r>
-              <a:rPr lang="fr-FR" smtClean="0"/>
+              <a:rPr lang="fr-FR"/>
               <a:t>Quatrième niveau</a:t>
             </a:r>
           </a:p>
           <a:p>
             <a:pPr lvl="4"/>
             <a:r>
-              <a:rPr lang="fr-FR" smtClean="0"/>
+              <a:rPr lang="fr-FR"/>
               <a:t>Cinquième niveau</a:t>
             </a:r>
-            <a:endParaRPr lang="fr-FR"/>
           </a:p>
         </p:txBody>
       </p:sp>
@@ -1514,10 +1505,9 @@
           </a:lstStyle>
           <a:p>
             <a:r>
-              <a:rPr lang="fr-FR" smtClean="0"/>
+              <a:rPr lang="fr-FR"/>
               <a:t>Cliquez pour modifier le style du titre</a:t>
             </a:r>
-            <a:endParaRPr lang="fr-FR"/>
           </a:p>
         </p:txBody>
       </p:sp>
@@ -1580,7 +1570,7 @@
           <a:p>
             <a:pPr lvl="0"/>
             <a:r>
-              <a:rPr lang="fr-FR" smtClean="0"/>
+              <a:rPr lang="fr-FR"/>
               <a:t>Cliquez pour modifier les styles du texte du masque</a:t>
             </a:r>
           </a:p>
@@ -1636,38 +1626,37 @@
           <a:p>
             <a:pPr lvl="0"/>
             <a:r>
-              <a:rPr lang="fr-FR" smtClean="0"/>
+              <a:rPr lang="fr-FR"/>
               <a:t>Cliquez pour modifier les styles du texte du masque</a:t>
             </a:r>
           </a:p>
           <a:p>
             <a:pPr lvl="1"/>
             <a:r>
-              <a:rPr lang="fr-FR" smtClean="0"/>
+              <a:rPr lang="fr-FR"/>
               <a:t>Deuxième niveau</a:t>
             </a:r>
           </a:p>
           <a:p>
             <a:pPr lvl="2"/>
             <a:r>
-              <a:rPr lang="fr-FR" smtClean="0"/>
+              <a:rPr lang="fr-FR"/>
               <a:t>Troisième niveau</a:t>
             </a:r>
           </a:p>
           <a:p>
             <a:pPr lvl="3"/>
             <a:r>
-              <a:rPr lang="fr-FR" smtClean="0"/>
+              <a:rPr lang="fr-FR"/>
               <a:t>Quatrième niveau</a:t>
             </a:r>
           </a:p>
           <a:p>
             <a:pPr lvl="4"/>
             <a:r>
-              <a:rPr lang="fr-FR" smtClean="0"/>
+              <a:rPr lang="fr-FR"/>
               <a:t>Cinquième niveau</a:t>
             </a:r>
-            <a:endParaRPr lang="fr-FR"/>
           </a:p>
         </p:txBody>
       </p:sp>
@@ -1730,7 +1719,7 @@
           <a:p>
             <a:pPr lvl="0"/>
             <a:r>
-              <a:rPr lang="fr-FR" smtClean="0"/>
+              <a:rPr lang="fr-FR"/>
               <a:t>Cliquez pour modifier les styles du texte du masque</a:t>
             </a:r>
           </a:p>
@@ -1786,38 +1775,37 @@
           <a:p>
             <a:pPr lvl="0"/>
             <a:r>
-              <a:rPr lang="fr-FR" smtClean="0"/>
+              <a:rPr lang="fr-FR"/>
               <a:t>Cliquez pour modifier les styles du texte du masque</a:t>
             </a:r>
           </a:p>
           <a:p>
             <a:pPr lvl="1"/>
             <a:r>
-              <a:rPr lang="fr-FR" smtClean="0"/>
+              <a:rPr lang="fr-FR"/>
               <a:t>Deuxième niveau</a:t>
             </a:r>
           </a:p>
           <a:p>
             <a:pPr lvl="2"/>
             <a:r>
-              <a:rPr lang="fr-FR" smtClean="0"/>
+              <a:rPr lang="fr-FR"/>
               <a:t>Troisième niveau</a:t>
             </a:r>
           </a:p>
           <a:p>
             <a:pPr lvl="3"/>
             <a:r>
-              <a:rPr lang="fr-FR" smtClean="0"/>
+              <a:rPr lang="fr-FR"/>
               <a:t>Quatrième niveau</a:t>
             </a:r>
           </a:p>
           <a:p>
             <a:pPr lvl="4"/>
             <a:r>
-              <a:rPr lang="fr-FR" smtClean="0"/>
+              <a:rPr lang="fr-FR"/>
               <a:t>Cinquième niveau</a:t>
             </a:r>
-            <a:endParaRPr lang="fr-FR"/>
           </a:p>
         </p:txBody>
       </p:sp>
@@ -1867,10 +1855,9 @@
           <a:lstStyle/>
           <a:p>
             <a:r>
-              <a:rPr lang="fr-FR" smtClean="0"/>
+              <a:rPr lang="fr-FR"/>
               <a:t>Cliquez pour modifier le style du titre</a:t>
             </a:r>
-            <a:endParaRPr lang="fr-FR"/>
           </a:p>
         </p:txBody>
       </p:sp>
@@ -1959,10 +1946,9 @@
           </a:lstStyle>
           <a:p>
             <a:r>
-              <a:rPr lang="fr-FR" smtClean="0"/>
+              <a:rPr lang="fr-FR"/>
               <a:t>Cliquez pour modifier le style du titre</a:t>
             </a:r>
-            <a:endParaRPr lang="fr-FR"/>
           </a:p>
         </p:txBody>
       </p:sp>
@@ -2016,38 +2002,37 @@
           <a:p>
             <a:pPr lvl="0"/>
             <a:r>
-              <a:rPr lang="fr-FR" smtClean="0"/>
+              <a:rPr lang="fr-FR"/>
               <a:t>Cliquez pour modifier les styles du texte du masque</a:t>
             </a:r>
           </a:p>
           <a:p>
             <a:pPr lvl="1"/>
             <a:r>
-              <a:rPr lang="fr-FR" smtClean="0"/>
+              <a:rPr lang="fr-FR"/>
               <a:t>Deuxième niveau</a:t>
             </a:r>
           </a:p>
           <a:p>
             <a:pPr lvl="2"/>
             <a:r>
-              <a:rPr lang="fr-FR" smtClean="0"/>
+              <a:rPr lang="fr-FR"/>
               <a:t>Troisième niveau</a:t>
             </a:r>
           </a:p>
           <a:p>
             <a:pPr lvl="3"/>
             <a:r>
-              <a:rPr lang="fr-FR" smtClean="0"/>
+              <a:rPr lang="fr-FR"/>
               <a:t>Quatrième niveau</a:t>
             </a:r>
           </a:p>
           <a:p>
             <a:pPr lvl="4"/>
             <a:r>
-              <a:rPr lang="fr-FR" smtClean="0"/>
+              <a:rPr lang="fr-FR"/>
               <a:t>Cinquième niveau</a:t>
             </a:r>
-            <a:endParaRPr lang="fr-FR"/>
           </a:p>
         </p:txBody>
       </p:sp>
@@ -2110,7 +2095,7 @@
           <a:p>
             <a:pPr lvl="0"/>
             <a:r>
-              <a:rPr lang="fr-FR" smtClean="0"/>
+              <a:rPr lang="fr-FR"/>
               <a:t>Cliquez pour modifier les styles du texte du masque</a:t>
             </a:r>
           </a:p>
@@ -2171,10 +2156,9 @@
           </a:lstStyle>
           <a:p>
             <a:r>
-              <a:rPr lang="fr-FR" smtClean="0"/>
+              <a:rPr lang="fr-FR"/>
               <a:t>Cliquez pour modifier le style du titre</a:t>
             </a:r>
-            <a:endParaRPr lang="fr-FR"/>
           </a:p>
         </p:txBody>
       </p:sp>
@@ -2236,7 +2220,7 @@
           </a:lstStyle>
           <a:p>
             <a:pPr lvl="0"/>
-            <a:endParaRPr lang="fr-FR" noProof="0" smtClean="0"/>
+            <a:endParaRPr lang="fr-FR" noProof="0"/>
           </a:p>
         </p:txBody>
       </p:sp>
@@ -2299,7 +2283,7 @@
           <a:p>
             <a:pPr lvl="0"/>
             <a:r>
-              <a:rPr lang="fr-FR" smtClean="0"/>
+              <a:rPr lang="fr-FR"/>
               <a:t>Cliquez pour modifier les styles du texte du masque</a:t>
             </a:r>
           </a:p>
@@ -2351,10 +2335,9 @@
           <a:lstStyle/>
           <a:p>
             <a:r>
-              <a:rPr lang="fr-FR" smtClean="0"/>
+              <a:rPr lang="fr-FR"/>
               <a:t>Cliquez pour modifier le style du titre</a:t>
             </a:r>
-            <a:endParaRPr lang="fr-FR"/>
           </a:p>
         </p:txBody>
       </p:sp>
@@ -2375,38 +2358,37 @@
           <a:p>
             <a:pPr lvl="0"/>
             <a:r>
-              <a:rPr lang="fr-FR" smtClean="0"/>
+              <a:rPr lang="fr-FR"/>
               <a:t>Cliquez pour modifier les styles du texte du masque</a:t>
             </a:r>
           </a:p>
           <a:p>
             <a:pPr lvl="1"/>
             <a:r>
-              <a:rPr lang="fr-FR" smtClean="0"/>
+              <a:rPr lang="fr-FR"/>
               <a:t>Deuxième niveau</a:t>
             </a:r>
           </a:p>
           <a:p>
             <a:pPr lvl="2"/>
             <a:r>
-              <a:rPr lang="fr-FR" smtClean="0"/>
+              <a:rPr lang="fr-FR"/>
               <a:t>Troisième niveau</a:t>
             </a:r>
           </a:p>
           <a:p>
             <a:pPr lvl="3"/>
             <a:r>
-              <a:rPr lang="fr-FR" smtClean="0"/>
+              <a:rPr lang="fr-FR"/>
               <a:t>Quatrième niveau</a:t>
             </a:r>
           </a:p>
           <a:p>
             <a:pPr lvl="4"/>
             <a:r>
-              <a:rPr lang="fr-FR" smtClean="0"/>
+              <a:rPr lang="fr-FR"/>
               <a:t>Cinquième niveau</a:t>
             </a:r>
-            <a:endParaRPr lang="fr-FR"/>
           </a:p>
         </p:txBody>
       </p:sp>
@@ -2587,7 +2569,7 @@
             <a:pPr eaLnBrk="1" hangingPunct="1">
               <a:defRPr/>
             </a:pPr>
-            <a:endParaRPr lang="fr-FR" altLang="fr-FR" smtClean="0"/>
+            <a:endParaRPr lang="fr-FR" altLang="fr-FR"/>
           </a:p>
         </p:txBody>
       </p:sp>
@@ -2741,7 +2723,7 @@
               <a:defRPr/>
             </a:pPr>
             <a:r>
-              <a:rPr lang="fr-FR" sz="1200" dirty="0" smtClean="0"/>
+              <a:rPr lang="fr-FR" sz="1200" dirty="0"/>
               <a:t>Page </a:t>
             </a:r>
             <a:fld id="{E218E9B1-FD08-4C80-902E-210BA2967D0D}" type="slidenum">
@@ -2754,7 +2736,7 @@
               </a:pPr>
               <a:t>‹N°›</a:t>
             </a:fld>
-            <a:endParaRPr lang="fr-FR" dirty="0" smtClean="0">
+            <a:endParaRPr lang="fr-FR" dirty="0">
               <a:latin typeface="Times New Roman" pitchFamily="18" charset="0"/>
             </a:endParaRPr>
           </a:p>
@@ -2910,10 +2892,10 @@
               <a:defRPr/>
             </a:pPr>
             <a:r>
-              <a:rPr lang="fr-FR" sz="1600" dirty="0" smtClean="0"/>
+              <a:rPr lang="fr-FR" sz="1600" dirty="0"/>
               <a:t>R</a:t>
             </a:r>
-            <a:endParaRPr lang="fr-FR" dirty="0" smtClean="0">
+            <a:endParaRPr lang="fr-FR" dirty="0">
               <a:latin typeface="Times New Roman" pitchFamily="18" charset="0"/>
             </a:endParaRPr>
           </a:p>
@@ -2971,7 +2953,7 @@
           <a:p>
             <a:pPr lvl="0"/>
             <a:r>
-              <a:rPr lang="fr-FR" altLang="fr-FR" smtClean="0"/>
+              <a:rPr lang="fr-FR" altLang="fr-FR"/>
               <a:t>Cliquez pour modifier le style du titre du masque</a:t>
             </a:r>
           </a:p>
@@ -3029,35 +3011,35 @@
           <a:p>
             <a:pPr lvl="0"/>
             <a:r>
-              <a:rPr lang="fr-FR" altLang="fr-FR" smtClean="0"/>
+              <a:rPr lang="fr-FR" altLang="fr-FR"/>
               <a:t>Cliquez pour modifier les styles du texte du masque</a:t>
             </a:r>
           </a:p>
           <a:p>
             <a:pPr lvl="1"/>
             <a:r>
-              <a:rPr lang="fr-FR" altLang="fr-FR" smtClean="0"/>
+              <a:rPr lang="fr-FR" altLang="fr-FR"/>
               <a:t>Deuxième niveau</a:t>
             </a:r>
           </a:p>
           <a:p>
             <a:pPr lvl="2"/>
             <a:r>
-              <a:rPr lang="fr-FR" altLang="fr-FR" smtClean="0"/>
+              <a:rPr lang="fr-FR" altLang="fr-FR"/>
               <a:t>Troisième niveau</a:t>
             </a:r>
           </a:p>
           <a:p>
             <a:pPr lvl="3"/>
             <a:r>
-              <a:rPr lang="fr-FR" altLang="fr-FR" smtClean="0"/>
+              <a:rPr lang="fr-FR" altLang="fr-FR"/>
               <a:t>Quatrième niveau</a:t>
             </a:r>
           </a:p>
           <a:p>
             <a:pPr lvl="4"/>
             <a:r>
-              <a:rPr lang="fr-FR" altLang="fr-FR" smtClean="0"/>
+              <a:rPr lang="fr-FR" altLang="fr-FR"/>
               <a:t>Cinquième niveau</a:t>
             </a:r>
           </a:p>
@@ -3213,10 +3195,10 @@
               <a:defRPr/>
             </a:pPr>
             <a:r>
-              <a:rPr lang="fr-FR" sz="1200" smtClean="0"/>
+              <a:rPr lang="fr-FR" sz="1200"/>
               <a:t>© Cyril Vincent Conseil</a:t>
             </a:r>
-            <a:endParaRPr lang="fr-FR" smtClean="0">
+            <a:endParaRPr lang="fr-FR">
               <a:latin typeface="Times New Roman" pitchFamily="18" charset="0"/>
             </a:endParaRPr>
           </a:p>
@@ -3698,26 +3680,21 @@
           <a:p>
             <a:pPr eaLnBrk="1" hangingPunct="1"/>
             <a:r>
-              <a:rPr lang="fr-FR" altLang="fr-FR" dirty="0" smtClean="0"/>
-              <a:t>Chapitre </a:t>
-            </a:r>
-            <a:r>
               <a:rPr lang="fr-FR" altLang="fr-FR" dirty="0"/>
-              <a:t>3</a:t>
-            </a:r>
-            <a:endParaRPr lang="fr-FR" altLang="fr-FR" dirty="0" smtClean="0"/>
+              <a:t>Chapitre 3</a:t>
+            </a:r>
           </a:p>
           <a:p>
             <a:pPr eaLnBrk="1" hangingPunct="1"/>
             <a:r>
-              <a:rPr lang="fr-FR" altLang="fr-FR" dirty="0" smtClean="0"/>
+              <a:rPr lang="fr-FR" altLang="fr-FR" dirty="0"/>
               <a:t>Structures de contrôles</a:t>
             </a:r>
           </a:p>
           <a:p>
             <a:pPr eaLnBrk="1" hangingPunct="1"/>
             <a:r>
-              <a:rPr lang="fr-FR" altLang="fr-FR" dirty="0" smtClean="0"/>
+              <a:rPr lang="fr-FR" altLang="fr-FR" dirty="0"/>
               <a:t>www.CyrilVincent.com</a:t>
             </a:r>
           </a:p>
@@ -3769,13 +3746,6 @@
   <p:clrMapOvr>
     <a:masterClrMapping/>
   </p:clrMapOvr>
-  <p:timing>
-    <p:tnLst>
-      <p:par>
-        <p:cTn id="1" dur="indefinite" restart="never" nodeType="tmRoot"/>
-      </p:par>
-    </p:tnLst>
-  </p:timing>
 </p:sld>
 </file>
 
@@ -3812,10 +3782,9 @@
           <a:lstStyle/>
           <a:p>
             <a:r>
-              <a:rPr lang="fr-FR" dirty="0" smtClean="0"/>
+              <a:rPr lang="fr-FR" dirty="0"/>
               <a:t>Break et continue</a:t>
             </a:r>
-            <a:endParaRPr lang="fr-FR" dirty="0"/>
           </a:p>
         </p:txBody>
       </p:sp>
@@ -3836,37 +3805,28 @@
           <a:p>
             <a:r>
               <a:rPr lang="fr-FR" dirty="0"/>
-              <a:t>b</a:t>
-            </a:r>
-            <a:r>
-              <a:rPr lang="fr-FR" dirty="0" smtClean="0"/>
-              <a:t>reak</a:t>
+              <a:t>break</a:t>
             </a:r>
           </a:p>
           <a:p>
             <a:pPr lvl="1"/>
             <a:r>
-              <a:rPr lang="fr-FR" dirty="0" smtClean="0"/>
+              <a:rPr lang="fr-FR" dirty="0"/>
               <a:t>Stop une itération</a:t>
             </a:r>
           </a:p>
           <a:p>
             <a:r>
               <a:rPr lang="fr-FR" dirty="0"/>
-              <a:t>c</a:t>
-            </a:r>
-            <a:r>
-              <a:rPr lang="fr-FR" dirty="0" smtClean="0"/>
-              <a:t>ontinue</a:t>
+              <a:t>continue</a:t>
             </a:r>
           </a:p>
           <a:p>
             <a:pPr lvl="1"/>
             <a:r>
-              <a:rPr lang="fr-FR" dirty="0" smtClean="0"/>
+              <a:rPr lang="fr-FR" dirty="0"/>
               <a:t>Passe à l’itération suivante</a:t>
             </a:r>
-            <a:endParaRPr lang="fr-FR" dirty="0"/>
           </a:p>
         </p:txBody>
       </p:sp>
@@ -3880,13 +3840,6 @@
   <p:clrMapOvr>
     <a:masterClrMapping/>
   </p:clrMapOvr>
-  <p:timing>
-    <p:tnLst>
-      <p:par>
-        <p:cTn id="1" dur="indefinite" restart="never" nodeType="tmRoot"/>
-      </p:par>
-    </p:tnLst>
-  </p:timing>
 </p:sld>
 </file>
 
@@ -3923,10 +3876,9 @@
           <a:lstStyle/>
           <a:p>
             <a:r>
-              <a:rPr lang="fr-FR" dirty="0" smtClean="0"/>
+              <a:rPr lang="fr-FR" dirty="0"/>
               <a:t>L’opérateur ternaire</a:t>
             </a:r>
-            <a:endParaRPr lang="fr-FR" dirty="0"/>
           </a:p>
         </p:txBody>
       </p:sp>
@@ -3946,22 +3898,30 @@
           <a:lstStyle/>
           <a:p>
             <a:r>
-              <a:rPr lang="fr-FR" dirty="0" smtClean="0"/>
+              <a:rPr lang="fr-FR" dirty="0"/>
               <a:t>L’opérateur ternaire existe en R</a:t>
             </a:r>
           </a:p>
           <a:p>
             <a:r>
-              <a:rPr lang="fr-FR" dirty="0" smtClean="0"/>
+              <a:rPr lang="fr-FR" dirty="0"/>
               <a:t>Permet d’écrire un if </a:t>
             </a:r>
             <a:r>
-              <a:rPr lang="fr-FR" dirty="0" err="1" smtClean="0"/>
+              <a:rPr lang="fr-FR" dirty="0" err="1"/>
               <a:t>else</a:t>
             </a:r>
             <a:r>
-              <a:rPr lang="fr-FR" dirty="0" smtClean="0"/>
-              <a:t> simple sur un ligne</a:t>
+              <a:rPr lang="fr-FR" dirty="0"/>
+              <a:t> simple </a:t>
+            </a:r>
+            <a:r>
+              <a:rPr lang="fr-FR"/>
+              <a:t>sur une </a:t>
+            </a:r>
+            <a:r>
+              <a:rPr lang="fr-FR" dirty="0"/>
+              <a:t>ligne</a:t>
             </a:r>
           </a:p>
           <a:p>
@@ -3985,14 +3945,9 @@
               <a:t>ifelse</a:t>
             </a:r>
             <a:r>
-              <a:rPr lang="fr-FR"/>
-              <a:t>(x&gt;0</a:t>
-            </a:r>
-            <a:r>
-              <a:rPr lang="fr-FR" smtClean="0"/>
-              <a:t>, x*log(x), 0)</a:t>
-            </a:r>
-            <a:endParaRPr lang="fr-FR" dirty="0"/>
+              <a:rPr lang="fr-FR" dirty="0"/>
+              <a:t>(x&gt;0, x*log(x), 0)</a:t>
+            </a:r>
           </a:p>
         </p:txBody>
       </p:sp>
@@ -4006,13 +3961,6 @@
   <p:clrMapOvr>
     <a:masterClrMapping/>
   </p:clrMapOvr>
-  <p:timing>
-    <p:tnLst>
-      <p:par>
-        <p:cTn id="1" dur="indefinite" restart="never" nodeType="tmRoot"/>
-      </p:par>
-    </p:tnLst>
-  </p:timing>
 </p:sld>
 </file>
 
@@ -4049,10 +3997,9 @@
           <a:lstStyle/>
           <a:p>
             <a:r>
-              <a:rPr lang="fr-FR" dirty="0" smtClean="0"/>
+              <a:rPr lang="fr-FR" dirty="0"/>
               <a:t>Les opérateurs</a:t>
             </a:r>
-            <a:endParaRPr lang="fr-FR" dirty="0"/>
           </a:p>
         </p:txBody>
       </p:sp>
@@ -4072,97 +4019,80 @@
           <a:lstStyle/>
           <a:p>
             <a:r>
-              <a:rPr lang="fr-FR" dirty="0" smtClean="0"/>
+              <a:rPr lang="fr-FR" dirty="0"/>
               <a:t>Les opérations courantes sont autorisées</a:t>
             </a:r>
           </a:p>
           <a:p>
             <a:pPr lvl="1"/>
             <a:r>
-              <a:rPr lang="fr-FR" dirty="0" smtClean="0"/>
+              <a:rPr lang="fr-FR" dirty="0"/>
               <a:t>+,-,*,/, ==, !=, &lt;,&gt;, &lt;=, &gt;=</a:t>
             </a:r>
           </a:p>
           <a:p>
             <a:pPr lvl="1"/>
             <a:r>
-              <a:rPr lang="fr-FR" dirty="0" smtClean="0"/>
+              <a:rPr lang="fr-FR" dirty="0"/>
               <a:t>/ représente la division</a:t>
             </a:r>
           </a:p>
           <a:p>
             <a:pPr lvl="1"/>
             <a:r>
-              <a:rPr lang="fr-FR" dirty="0" smtClean="0"/>
+              <a:rPr lang="fr-FR" dirty="0"/>
               <a:t>^ ou ** représente la puissance</a:t>
             </a:r>
           </a:p>
           <a:p>
             <a:pPr lvl="1"/>
             <a:r>
-              <a:rPr lang="fr-FR" dirty="0" smtClean="0"/>
+              <a:rPr lang="fr-FR" dirty="0"/>
               <a:t>%% représente le reste de la division entière</a:t>
             </a:r>
           </a:p>
           <a:p>
             <a:pPr lvl="1"/>
             <a:r>
-              <a:rPr lang="fr-FR" dirty="0" smtClean="0"/>
-              <a:t>%/% </a:t>
-            </a:r>
-            <a:r>
               <a:rPr lang="fr-FR" dirty="0"/>
-              <a:t>représente </a:t>
-            </a:r>
-            <a:r>
-              <a:rPr lang="fr-FR" dirty="0" smtClean="0"/>
-              <a:t>la </a:t>
-            </a:r>
+              <a:t>%/% représente la division entière</a:t>
+            </a:r>
+          </a:p>
+          <a:p>
+            <a:pPr lvl="1"/>
             <a:r>
               <a:rPr lang="fr-FR" dirty="0"/>
-              <a:t>division </a:t>
-            </a:r>
-            <a:r>
-              <a:rPr lang="fr-FR" dirty="0" smtClean="0"/>
-              <a:t>entière</a:t>
+              <a:t>&amp; ou &amp;&amp; représente le ET logique</a:t>
             </a:r>
           </a:p>
           <a:p>
             <a:pPr lvl="1"/>
             <a:r>
-              <a:rPr lang="fr-FR" dirty="0" smtClean="0"/>
-              <a:t>&amp; ou &amp;&amp; représente le ET logique</a:t>
+              <a:rPr lang="fr-FR" dirty="0"/>
+              <a:t>| ou || représente le OU logique</a:t>
             </a:r>
           </a:p>
           <a:p>
             <a:pPr lvl="1"/>
             <a:r>
-              <a:rPr lang="fr-FR" dirty="0" smtClean="0"/>
-              <a:t>| ou || représente le OU logique</a:t>
+              <a:rPr lang="fr-FR" dirty="0"/>
+              <a:t>! représente le NOT logique</a:t>
             </a:r>
           </a:p>
           <a:p>
             <a:pPr lvl="1"/>
             <a:r>
-              <a:rPr lang="fr-FR" dirty="0" smtClean="0"/>
-              <a:t>! représente le NOT logique</a:t>
+              <a:rPr lang="fr-FR" dirty="0" err="1"/>
+              <a:t>isTRUE</a:t>
+            </a:r>
+            <a:r>
+              <a:rPr lang="fr-FR" dirty="0"/>
+              <a:t>(x) vérifie si un booléen est vrai</a:t>
             </a:r>
           </a:p>
           <a:p>
             <a:pPr lvl="1"/>
-            <a:r>
-              <a:rPr lang="fr-FR" dirty="0" err="1" smtClean="0"/>
-              <a:t>isTRUE</a:t>
-            </a:r>
-            <a:r>
-              <a:rPr lang="fr-FR" dirty="0" smtClean="0"/>
-              <a:t>(x) vérifie si un booléen est vrai</a:t>
-            </a:r>
             <a:endParaRPr lang="fr-FR" dirty="0"/>
-          </a:p>
-          <a:p>
-            <a:pPr lvl="1"/>
-            <a:endParaRPr lang="fr-FR" dirty="0" smtClean="0"/>
           </a:p>
           <a:p>
             <a:pPr lvl="1"/>
@@ -4180,13 +4110,6 @@
   <p:clrMapOvr>
     <a:masterClrMapping/>
   </p:clrMapOvr>
-  <p:timing>
-    <p:tnLst>
-      <p:par>
-        <p:cTn id="1" dur="indefinite" restart="never" nodeType="tmRoot"/>
-      </p:par>
-    </p:tnLst>
-  </p:timing>
 </p:sld>
 </file>
 
@@ -4223,10 +4146,9 @@
           <a:lstStyle/>
           <a:p>
             <a:r>
-              <a:rPr lang="fr-FR" dirty="0" smtClean="0"/>
+              <a:rPr lang="fr-FR" dirty="0"/>
               <a:t>Blocs</a:t>
             </a:r>
-            <a:endParaRPr lang="fr-FR" dirty="0"/>
           </a:p>
         </p:txBody>
       </p:sp>
@@ -4247,47 +4169,39 @@
           <a:p>
             <a:r>
               <a:rPr lang="fr-FR" dirty="0"/>
-              <a:t>Un bloc de code est une morceau de code</a:t>
+              <a:t>Un bloc de code est un morceau de code</a:t>
             </a:r>
           </a:p>
           <a:p>
             <a:pPr lvl="1"/>
             <a:r>
-              <a:rPr lang="fr-FR" smtClean="0"/>
-              <a:t>Utilisé </a:t>
-            </a:r>
-            <a:r>
               <a:rPr lang="fr-FR" dirty="0"/>
-              <a:t>pour la visibilité des variables</a:t>
+              <a:t>Utilisé pour la visibilité des variables</a:t>
             </a:r>
           </a:p>
           <a:p>
             <a:pPr lvl="1"/>
             <a:r>
               <a:rPr lang="fr-FR" dirty="0"/>
-              <a:t>{} en </a:t>
-            </a:r>
-            <a:r>
-              <a:rPr lang="fr-FR" dirty="0" smtClean="0"/>
-              <a:t>R et C</a:t>
-            </a:r>
-          </a:p>
-          <a:p>
-            <a:r>
-              <a:rPr lang="fr-FR" dirty="0" smtClean="0"/>
+              <a:t>{} en R et C</a:t>
+            </a:r>
+          </a:p>
+          <a:p>
+            <a:r>
+              <a:rPr lang="fr-FR" dirty="0"/>
               <a:t>R possèdes des blocs comme C</a:t>
             </a:r>
           </a:p>
           <a:p>
             <a:r>
-              <a:rPr lang="fr-FR" dirty="0" smtClean="0"/>
+              <a:rPr lang="fr-FR" dirty="0"/>
               <a:t>La règle de visibilité des variables est la même qu'en C</a:t>
             </a:r>
           </a:p>
           <a:p>
             <a:pPr lvl="1"/>
             <a:r>
-              <a:rPr lang="fr-FR" dirty="0" smtClean="0"/>
+              <a:rPr lang="fr-FR" dirty="0"/>
               <a:t>Une variable est visible dans son bloc et ses sous blocs</a:t>
             </a:r>
           </a:p>
@@ -4306,13 +4220,6 @@
   <p:clrMapOvr>
     <a:masterClrMapping/>
   </p:clrMapOvr>
-  <p:timing>
-    <p:tnLst>
-      <p:par>
-        <p:cTn id="1" dur="indefinite" restart="never" nodeType="tmRoot"/>
-      </p:par>
-    </p:tnLst>
-  </p:timing>
 </p:sld>
 </file>
 
@@ -4349,10 +4256,9 @@
           <a:lstStyle/>
           <a:p>
             <a:r>
-              <a:rPr lang="fr-FR" dirty="0" smtClean="0"/>
+              <a:rPr lang="fr-FR" dirty="0"/>
               <a:t>Conditions</a:t>
             </a:r>
-            <a:endParaRPr lang="fr-FR" dirty="0"/>
           </a:p>
         </p:txBody>
       </p:sp>
@@ -4373,38 +4279,26 @@
           <a:p>
             <a:r>
               <a:rPr lang="fr-FR" dirty="0"/>
-              <a:t>if(condition</a:t>
-            </a:r>
-            <a:r>
-              <a:rPr lang="fr-FR" dirty="0" smtClean="0"/>
-              <a:t>) instructions</a:t>
+              <a:t>if(condition) instructions</a:t>
             </a:r>
           </a:p>
           <a:p>
             <a:pPr lvl="1"/>
             <a:r>
-              <a:rPr lang="fr-FR" dirty="0" smtClean="0"/>
-              <a:t>est </a:t>
-            </a:r>
-            <a:r>
               <a:rPr lang="fr-FR" dirty="0"/>
-              <a:t>la syntaxe permettant de calculer les instructions uniquement si la condition est </a:t>
-            </a:r>
-            <a:r>
-              <a:rPr lang="fr-FR" dirty="0" smtClean="0"/>
-              <a:t>vraie</a:t>
+              <a:t>est la syntaxe permettant de calculer les instructions uniquement si la condition est vraie</a:t>
             </a:r>
           </a:p>
           <a:p>
             <a:pPr lvl="1"/>
             <a:r>
-              <a:rPr lang="fr-FR" dirty="0" smtClean="0"/>
+              <a:rPr lang="fr-FR" dirty="0"/>
               <a:t>Attention l'opérateur de comparaison est ==</a:t>
             </a:r>
           </a:p>
           <a:p>
             <a:r>
-              <a:rPr lang="fr-FR" dirty="0" smtClean="0"/>
+              <a:rPr lang="fr-FR" dirty="0"/>
               <a:t>Exemple sans bloc</a:t>
             </a:r>
           </a:p>
@@ -4416,26 +4310,37 @@
             </a:r>
             <a:r>
               <a:rPr lang="es-ES" dirty="0"/>
-              <a:t> (</a:t>
-            </a:r>
-            <a:r>
-              <a:rPr lang="es-ES" dirty="0" smtClean="0"/>
-              <a:t>x == 0</a:t>
+              <a:t> (x == 0) y&lt;-x*log(x)</a:t>
+            </a:r>
+          </a:p>
+          <a:p>
+            <a:r>
+              <a:rPr lang="fr-FR" dirty="0"/>
+              <a:t>Exemple avec bloc</a:t>
+            </a:r>
+          </a:p>
+          <a:p>
+            <a:pPr marL="457200" lvl="1" indent="0">
+              <a:buNone/>
+            </a:pPr>
+            <a:r>
+              <a:rPr lang="en-US" dirty="0"/>
+              <a:t>if (x == 0) {</a:t>
+            </a:r>
+          </a:p>
+          <a:p>
+            <a:pPr marL="457200" lvl="1" indent="0">
+              <a:buNone/>
+            </a:pPr>
+            <a:r>
+              <a:rPr lang="en-US" dirty="0"/>
+              <a:t>     </a:t>
             </a:r>
             <a:r>
               <a:rPr lang="es-ES" dirty="0"/>
-              <a:t>) </a:t>
-            </a:r>
-            <a:r>
-              <a:rPr lang="es-ES" dirty="0" smtClean="0"/>
               <a:t>y&lt;-x*log(x)</a:t>
             </a:r>
-          </a:p>
-          <a:p>
-            <a:r>
-              <a:rPr lang="fr-FR" dirty="0" smtClean="0"/>
-              <a:t>Exemple avec bloc</a:t>
-            </a:r>
+            <a:endParaRPr lang="en-US" dirty="0"/>
           </a:p>
           <a:p>
             <a:pPr marL="457200" lvl="1" indent="0">
@@ -4443,41 +4348,8 @@
             </a:pPr>
             <a:r>
               <a:rPr lang="en-US" dirty="0"/>
-              <a:t>if </a:t>
-            </a:r>
-            <a:r>
-              <a:rPr lang="en-US" dirty="0" smtClean="0"/>
-              <a:t>(x == 0) {</a:t>
-            </a:r>
-            <a:endParaRPr lang="en-US" dirty="0"/>
-          </a:p>
-          <a:p>
-            <a:pPr marL="457200" lvl="1" indent="0">
-              <a:buNone/>
-            </a:pPr>
-            <a:r>
-              <a:rPr lang="en-US" dirty="0" smtClean="0"/>
-              <a:t>     </a:t>
-            </a:r>
-            <a:r>
-              <a:rPr lang="es-ES" dirty="0"/>
-              <a:t>y&lt;-x*log(x</a:t>
-            </a:r>
-            <a:r>
-              <a:rPr lang="es-ES" dirty="0" smtClean="0"/>
-              <a:t>)</a:t>
-            </a:r>
-            <a:endParaRPr lang="en-US" dirty="0"/>
-          </a:p>
-          <a:p>
-            <a:pPr marL="457200" lvl="1" indent="0">
-              <a:buNone/>
-            </a:pPr>
-            <a:r>
-              <a:rPr lang="en-US" dirty="0" smtClean="0"/>
               <a:t>}</a:t>
             </a:r>
-            <a:endParaRPr lang="en-US" dirty="0"/>
           </a:p>
         </p:txBody>
       </p:sp>
@@ -4491,13 +4363,6 @@
   <p:clrMapOvr>
     <a:masterClrMapping/>
   </p:clrMapOvr>
-  <p:timing>
-    <p:tnLst>
-      <p:par>
-        <p:cTn id="1" dur="indefinite" restart="never" nodeType="tmRoot"/>
-      </p:par>
-    </p:tnLst>
-  </p:timing>
 </p:sld>
 </file>
 
@@ -4534,7 +4399,7 @@
           <a:lstStyle/>
           <a:p>
             <a:r>
-              <a:rPr lang="fr-FR" dirty="0" err="1" smtClean="0"/>
+              <a:rPr lang="fr-FR" dirty="0" err="1"/>
               <a:t>else</a:t>
             </a:r>
             <a:endParaRPr lang="fr-FR" dirty="0"/>
@@ -4557,42 +4422,28 @@
           <a:lstStyle/>
           <a:p>
             <a:r>
-              <a:rPr lang="fr-FR" dirty="0" smtClean="0"/>
+              <a:rPr lang="fr-FR" dirty="0"/>
               <a:t>if(condition) A  </a:t>
             </a:r>
             <a:r>
-              <a:rPr lang="fr-FR" dirty="0" err="1" smtClean="0"/>
+              <a:rPr lang="fr-FR" dirty="0" err="1"/>
               <a:t>else</a:t>
             </a:r>
             <a:r>
-              <a:rPr lang="fr-FR" dirty="0" smtClean="0"/>
-              <a:t>  </a:t>
-            </a:r>
-            <a:r>
               <a:rPr lang="fr-FR" dirty="0"/>
-              <a:t>B </a:t>
-            </a:r>
-            <a:endParaRPr lang="fr-FR" dirty="0" smtClean="0"/>
+              <a:t>  B </a:t>
+            </a:r>
           </a:p>
           <a:p>
             <a:pPr lvl="1"/>
             <a:r>
-              <a:rPr lang="fr-FR" dirty="0" smtClean="0"/>
-              <a:t>calcule </a:t>
-            </a:r>
-            <a:r>
               <a:rPr lang="fr-FR" dirty="0"/>
-              <a:t>les instructions A si la condition est vraie et les instructions B </a:t>
-            </a:r>
-            <a:r>
-              <a:rPr lang="fr-FR" dirty="0" smtClean="0"/>
-              <a:t>sinon</a:t>
-            </a:r>
-            <a:endParaRPr lang="fr-FR" dirty="0"/>
-          </a:p>
-          <a:p>
-            <a:r>
-              <a:rPr lang="fr-FR" dirty="0" smtClean="0"/>
+              <a:t>calcule les instructions A si la condition est vraie et les instructions B sinon</a:t>
+            </a:r>
+          </a:p>
+          <a:p>
+            <a:r>
+              <a:rPr lang="fr-FR" dirty="0"/>
               <a:t>Exemple sans bloc</a:t>
             </a:r>
           </a:p>
@@ -4617,7 +4468,7 @@
           </a:p>
           <a:p>
             <a:r>
-              <a:rPr lang="fr-FR" dirty="0" smtClean="0"/>
+              <a:rPr lang="fr-FR" dirty="0"/>
               <a:t>Exemple avec bloc</a:t>
             </a:r>
           </a:p>
@@ -4631,11 +4482,7 @@
             </a:r>
             <a:r>
               <a:rPr lang="es-ES" dirty="0"/>
-              <a:t> (x&gt;0) </a:t>
-            </a:r>
-            <a:r>
-              <a:rPr lang="es-ES" dirty="0" smtClean="0"/>
-              <a:t>{</a:t>
+              <a:t> (x&gt;0) {</a:t>
             </a:r>
           </a:p>
           <a:p>
@@ -4643,12 +4490,8 @@
               <a:buNone/>
             </a:pPr>
             <a:r>
-              <a:rPr lang="es-ES" sz="2400" smtClean="0"/>
-              <a:t>y=x*log(x</a:t>
-            </a:r>
-            <a:r>
-              <a:rPr lang="es-ES" sz="2400" smtClean="0"/>
-              <a:t>)</a:t>
+              <a:rPr lang="es-ES" sz="2400"/>
+              <a:t>y=x*log(x)</a:t>
             </a:r>
           </a:p>
           <a:p>
@@ -4656,20 +4499,16 @@
               <a:buNone/>
             </a:pPr>
             <a:r>
-              <a:rPr lang="es-ES" sz="2400" smtClean="0"/>
+              <a:rPr lang="es-ES" sz="2400"/>
               <a:t>} </a:t>
             </a:r>
             <a:r>
-              <a:rPr lang="es-ES" sz="2400" dirty="0" err="1" smtClean="0"/>
+              <a:rPr lang="es-ES" sz="2400" dirty="0" err="1"/>
               <a:t>else</a:t>
             </a:r>
             <a:r>
-              <a:rPr lang="es-ES" sz="2400" dirty="0" smtClean="0"/>
-              <a:t> </a:t>
-            </a:r>
-            <a:r>
-              <a:rPr lang="es-ES" sz="2400" dirty="0" smtClean="0"/>
-              <a:t>{</a:t>
+              <a:rPr lang="es-ES" sz="2400" dirty="0"/>
+              <a:t> {</a:t>
             </a:r>
           </a:p>
           <a:p>
@@ -4677,7 +4516,7 @@
               <a:buNone/>
             </a:pPr>
             <a:r>
-              <a:rPr lang="es-ES" sz="2400" dirty="0" smtClean="0"/>
+              <a:rPr lang="es-ES" sz="2400" dirty="0"/>
               <a:t> y=0</a:t>
             </a:r>
           </a:p>
@@ -4686,21 +4525,20 @@
               <a:buNone/>
             </a:pPr>
             <a:r>
-              <a:rPr lang="es-ES" sz="2400" dirty="0" smtClean="0"/>
+              <a:rPr lang="es-ES" sz="2400" dirty="0"/>
               <a:t>}</a:t>
             </a:r>
             <a:r>
-              <a:rPr lang="es-ES" dirty="0" smtClean="0"/>
+              <a:rPr lang="es-ES" dirty="0"/>
               <a:t>	</a:t>
             </a:r>
-            <a:endParaRPr lang="es-ES" dirty="0"/>
           </a:p>
           <a:p>
             <a:pPr lvl="1"/>
-            <a:endParaRPr lang="fr-FR" dirty="0" smtClean="0"/>
-          </a:p>
-          <a:p>
-            <a:endParaRPr lang="fr-FR" dirty="0" smtClean="0"/>
+            <a:endParaRPr lang="fr-FR" dirty="0"/>
+          </a:p>
+          <a:p>
+            <a:endParaRPr lang="fr-FR" dirty="0"/>
           </a:p>
         </p:txBody>
       </p:sp>
@@ -4714,13 +4552,6 @@
   <p:clrMapOvr>
     <a:masterClrMapping/>
   </p:clrMapOvr>
-  <p:timing>
-    <p:tnLst>
-      <p:par>
-        <p:cTn id="1" dur="indefinite" restart="never" nodeType="tmRoot"/>
-      </p:par>
-    </p:tnLst>
-  </p:timing>
 </p:sld>
 </file>
 
@@ -4757,10 +4588,9 @@
           <a:lstStyle/>
           <a:p>
             <a:r>
-              <a:rPr lang="fr-FR" dirty="0" smtClean="0"/>
+              <a:rPr lang="fr-FR" dirty="0"/>
               <a:t>Blocs</a:t>
             </a:r>
-            <a:endParaRPr lang="fr-FR" dirty="0"/>
           </a:p>
         </p:txBody>
       </p:sp>
@@ -4798,13 +4628,6 @@
   <p:clrMapOvr>
     <a:masterClrMapping/>
   </p:clrMapOvr>
-  <p:timing>
-    <p:tnLst>
-      <p:par>
-        <p:cTn id="1" dur="indefinite" restart="never" nodeType="tmRoot"/>
-      </p:par>
-    </p:tnLst>
-  </p:timing>
 </p:sld>
 </file>
 
@@ -4842,7 +4665,7 @@
           <a:p>
             <a:pPr eaLnBrk="1" hangingPunct="1"/>
             <a:r>
-              <a:rPr lang="en-US" altLang="fr-FR" smtClean="0"/>
+              <a:rPr lang="en-US" altLang="fr-FR"/>
               <a:t>Grouping Indentation</a:t>
             </a:r>
           </a:p>
@@ -4868,7 +4691,7 @@
               <a:buNone/>
             </a:pPr>
             <a:r>
-              <a:rPr lang="en-US" altLang="fr-FR" sz="2000" smtClean="0"/>
+              <a:rPr lang="en-US" altLang="fr-FR" sz="2000"/>
               <a:t>In Python:</a:t>
             </a:r>
           </a:p>
@@ -4877,7 +4700,7 @@
               <a:buFontTx/>
               <a:buNone/>
             </a:pPr>
-            <a:endParaRPr lang="en-US" altLang="fr-FR" sz="2000" smtClean="0"/>
+            <a:endParaRPr lang="en-US" altLang="fr-FR" sz="2000"/>
           </a:p>
           <a:p>
             <a:pPr eaLnBrk="1" hangingPunct="1">
@@ -4885,7 +4708,7 @@
               <a:buNone/>
             </a:pPr>
             <a:r>
-              <a:rPr lang="en-US" altLang="fr-FR" sz="2000" smtClean="0"/>
+              <a:rPr lang="en-US" altLang="fr-FR" sz="2000"/>
               <a:t>for i in range(20):</a:t>
             </a:r>
           </a:p>
@@ -4895,7 +4718,7 @@
               <a:buNone/>
             </a:pPr>
             <a:r>
-              <a:rPr lang="en-US" altLang="fr-FR" sz="2000" smtClean="0"/>
+              <a:rPr lang="en-US" altLang="fr-FR" sz="2000"/>
               <a:t>    if i%3 == 0:</a:t>
             </a:r>
           </a:p>
@@ -4905,7 +4728,7 @@
               <a:buNone/>
             </a:pPr>
             <a:r>
-              <a:rPr lang="en-US" altLang="fr-FR" sz="2000" smtClean="0"/>
+              <a:rPr lang="en-US" altLang="fr-FR" sz="2000"/>
               <a:t>        print i</a:t>
             </a:r>
           </a:p>
@@ -4915,7 +4738,7 @@
               <a:buNone/>
             </a:pPr>
             <a:r>
-              <a:rPr lang="en-US" altLang="fr-FR" sz="2000" smtClean="0"/>
+              <a:rPr lang="en-US" altLang="fr-FR" sz="2000"/>
               <a:t>        if i%5 == 0:</a:t>
             </a:r>
           </a:p>
@@ -4925,7 +4748,7 @@
               <a:buNone/>
             </a:pPr>
             <a:r>
-              <a:rPr lang="en-US" altLang="fr-FR" sz="2000" smtClean="0"/>
+              <a:rPr lang="en-US" altLang="fr-FR" sz="2000"/>
               <a:t>            print "Bingo!"</a:t>
             </a:r>
           </a:p>
@@ -4935,7 +4758,7 @@
               <a:buNone/>
             </a:pPr>
             <a:r>
-              <a:rPr lang="en-US" altLang="fr-FR" sz="2000" smtClean="0"/>
+              <a:rPr lang="en-US" altLang="fr-FR" sz="2000"/>
               <a:t>    print "---"</a:t>
             </a:r>
           </a:p>
@@ -4969,7 +4792,7 @@
               <a:buNone/>
             </a:pPr>
             <a:r>
-              <a:rPr lang="en-US" altLang="fr-FR" sz="2000" smtClean="0"/>
+              <a:rPr lang="en-US" altLang="fr-FR" sz="2000"/>
               <a:t>In C:</a:t>
             </a:r>
           </a:p>
@@ -4981,7 +4804,7 @@
               <a:buFontTx/>
               <a:buNone/>
             </a:pPr>
-            <a:endParaRPr lang="en-US" altLang="fr-FR" sz="2000" smtClean="0"/>
+            <a:endParaRPr lang="en-US" altLang="fr-FR" sz="2000"/>
           </a:p>
           <a:p>
             <a:pPr eaLnBrk="1" hangingPunct="1">
@@ -4992,7 +4815,7 @@
               <a:buNone/>
             </a:pPr>
             <a:r>
-              <a:rPr lang="en-US" altLang="fr-FR" sz="2000" smtClean="0"/>
+              <a:rPr lang="en-US" altLang="fr-FR" sz="2000"/>
               <a:t>for (i = 0; i &lt; 20; i++)</a:t>
             </a:r>
           </a:p>
@@ -5005,7 +4828,7 @@
               <a:buNone/>
             </a:pPr>
             <a:r>
-              <a:rPr lang="en-US" altLang="fr-FR" sz="2000" smtClean="0"/>
+              <a:rPr lang="en-US" altLang="fr-FR" sz="2000"/>
               <a:t>{</a:t>
             </a:r>
           </a:p>
@@ -5018,7 +4841,7 @@
               <a:buNone/>
             </a:pPr>
             <a:r>
-              <a:rPr lang="en-US" altLang="fr-FR" sz="2000" smtClean="0"/>
+              <a:rPr lang="en-US" altLang="fr-FR" sz="2000"/>
               <a:t>    if (i%3 == 0) {</a:t>
             </a:r>
           </a:p>
@@ -5031,7 +4854,7 @@
               <a:buNone/>
             </a:pPr>
             <a:r>
-              <a:rPr lang="en-US" altLang="fr-FR" sz="2000" smtClean="0"/>
+              <a:rPr lang="en-US" altLang="fr-FR" sz="2000"/>
               <a:t>        printf("%d\n", i);</a:t>
             </a:r>
           </a:p>
@@ -5044,7 +4867,7 @@
               <a:buNone/>
             </a:pPr>
             <a:r>
-              <a:rPr lang="en-US" altLang="fr-FR" sz="2000" smtClean="0"/>
+              <a:rPr lang="en-US" altLang="fr-FR" sz="2000"/>
               <a:t>        if (i%5 == 0) {</a:t>
             </a:r>
           </a:p>
@@ -5057,7 +4880,7 @@
               <a:buNone/>
             </a:pPr>
             <a:r>
-              <a:rPr lang="en-US" altLang="fr-FR" sz="2000" smtClean="0"/>
+              <a:rPr lang="en-US" altLang="fr-FR" sz="2000"/>
               <a:t>            printf("Bingo!\n"); }</a:t>
             </a:r>
           </a:p>
@@ -5070,7 +4893,7 @@
               <a:buNone/>
             </a:pPr>
             <a:r>
-              <a:rPr lang="en-US" altLang="fr-FR" sz="2000" smtClean="0"/>
+              <a:rPr lang="en-US" altLang="fr-FR" sz="2000"/>
               <a:t>      }</a:t>
             </a:r>
           </a:p>
@@ -5083,7 +4906,7 @@
               <a:buNone/>
             </a:pPr>
             <a:r>
-              <a:rPr lang="en-US" altLang="fr-FR" sz="2000" smtClean="0"/>
+              <a:rPr lang="en-US" altLang="fr-FR" sz="2000"/>
               <a:t>      printf("---\n");</a:t>
             </a:r>
           </a:p>
@@ -5096,7 +4919,7 @@
               <a:buNone/>
             </a:pPr>
             <a:r>
-              <a:rPr lang="en-US" altLang="fr-FR" sz="2000" smtClean="0"/>
+              <a:rPr lang="en-US" altLang="fr-FR" sz="2000"/>
               <a:t>}</a:t>
             </a:r>
           </a:p>
@@ -5464,13 +5287,6 @@
   <p:clrMapOvr>
     <a:masterClrMapping/>
   </p:clrMapOvr>
-  <p:timing>
-    <p:tnLst>
-      <p:par>
-        <p:cTn id="1" dur="indefinite" restart="never" nodeType="tmRoot"/>
-      </p:par>
-    </p:tnLst>
-  </p:timing>
 </p:sld>
 </file>
 
@@ -5507,10 +5323,9 @@
           <a:lstStyle/>
           <a:p>
             <a:r>
-              <a:rPr lang="fr-FR" dirty="0" smtClean="0"/>
+              <a:rPr lang="fr-FR" dirty="0"/>
               <a:t>Boucle</a:t>
             </a:r>
-            <a:endParaRPr lang="fr-FR" dirty="0"/>
           </a:p>
         </p:txBody>
       </p:sp>
@@ -5539,17 +5354,17 @@
               <a:t>commandes</a:t>
             </a:r>
             <a:r>
-              <a:rPr lang="en-US" altLang="fr-FR" dirty="0" smtClean="0"/>
+              <a:rPr lang="en-US" altLang="fr-FR" dirty="0"/>
               <a:t>}</a:t>
             </a:r>
           </a:p>
           <a:p>
             <a:pPr eaLnBrk="1" hangingPunct="1"/>
             <a:r>
-              <a:rPr lang="en-US" altLang="fr-FR" dirty="0" err="1" smtClean="0"/>
+              <a:rPr lang="en-US" altLang="fr-FR" dirty="0" err="1"/>
               <a:t>Exemple</a:t>
             </a:r>
-            <a:endParaRPr lang="en-US" altLang="fr-FR" dirty="0" smtClean="0"/>
+            <a:endParaRPr lang="en-US" altLang="fr-FR" dirty="0"/>
           </a:p>
           <a:p>
             <a:pPr marL="457200" lvl="1" indent="0" eaLnBrk="1" hangingPunct="1">
@@ -5565,24 +5380,19 @@
             </a:r>
             <a:r>
               <a:rPr lang="en-US" altLang="fr-FR" dirty="0"/>
-              <a:t>&lt;10</a:t>
-            </a:r>
-            <a:r>
-              <a:rPr lang="en-US" altLang="fr-FR" dirty="0" smtClean="0"/>
-              <a:t>) {</a:t>
-            </a:r>
-            <a:endParaRPr lang="en-US" altLang="fr-FR" dirty="0"/>
+              <a:t>&lt;10) {</a:t>
+            </a:r>
           </a:p>
           <a:p>
             <a:pPr marL="457200" lvl="1" indent="0" eaLnBrk="1" hangingPunct="1">
               <a:buNone/>
             </a:pPr>
             <a:r>
-              <a:rPr lang="en-US" altLang="fr-FR" dirty="0" smtClean="0"/>
+              <a:rPr lang="en-US" altLang="fr-FR" dirty="0"/>
               <a:t>	print(</a:t>
             </a:r>
             <a:r>
-              <a:rPr lang="en-US" altLang="fr-FR" dirty="0" err="1" smtClean="0"/>
+              <a:rPr lang="en-US" altLang="fr-FR" dirty="0" err="1"/>
               <a:t>i</a:t>
             </a:r>
             <a:r>
@@ -5595,15 +5405,15 @@
               <a:buNone/>
             </a:pPr>
             <a:r>
-              <a:rPr lang="en-US" altLang="fr-FR" dirty="0" smtClean="0"/>
+              <a:rPr lang="en-US" altLang="fr-FR" dirty="0"/>
               <a:t>	</a:t>
             </a:r>
             <a:r>
-              <a:rPr lang="en-US" altLang="fr-FR" dirty="0" err="1" smtClean="0"/>
+              <a:rPr lang="en-US" altLang="fr-FR" dirty="0" err="1"/>
               <a:t>i</a:t>
             </a:r>
             <a:r>
-              <a:rPr lang="en-US" altLang="fr-FR" dirty="0" smtClean="0"/>
+              <a:rPr lang="en-US" altLang="fr-FR" dirty="0"/>
               <a:t>=i+1</a:t>
             </a:r>
           </a:p>
@@ -5612,30 +5422,29 @@
               <a:buNone/>
             </a:pPr>
             <a:r>
-              <a:rPr lang="en-US" altLang="fr-FR" dirty="0" smtClean="0"/>
+              <a:rPr lang="en-US" altLang="fr-FR" dirty="0"/>
               <a:t>}</a:t>
             </a:r>
-            <a:endParaRPr lang="en-US" altLang="fr-FR" dirty="0"/>
           </a:p>
           <a:p>
             <a:pPr eaLnBrk="1" hangingPunct="1"/>
             <a:r>
-              <a:rPr lang="en-US" altLang="fr-FR" dirty="0" smtClean="0"/>
+              <a:rPr lang="en-US" altLang="fr-FR" dirty="0"/>
               <a:t>Alternative</a:t>
             </a:r>
           </a:p>
           <a:p>
             <a:pPr eaLnBrk="1" hangingPunct="1"/>
             <a:r>
-              <a:rPr lang="en-US" altLang="fr-FR" dirty="0" smtClean="0"/>
+              <a:rPr lang="en-US" altLang="fr-FR" dirty="0"/>
               <a:t>La </a:t>
             </a:r>
             <a:r>
-              <a:rPr lang="en-US" altLang="fr-FR" dirty="0" err="1" smtClean="0"/>
+              <a:rPr lang="en-US" altLang="fr-FR" dirty="0" err="1"/>
               <a:t>commande</a:t>
             </a:r>
             <a:r>
-              <a:rPr lang="en-US" altLang="fr-FR" dirty="0" smtClean="0"/>
+              <a:rPr lang="en-US" altLang="fr-FR" dirty="0"/>
               <a:t> repeat</a:t>
             </a:r>
           </a:p>
@@ -5656,11 +5465,11 @@
           </a:p>
           <a:p>
             <a:pPr lvl="1" eaLnBrk="1" hangingPunct="1"/>
-            <a:endParaRPr lang="en-US" altLang="fr-FR" dirty="0" smtClean="0"/>
+            <a:endParaRPr lang="en-US" altLang="fr-FR" dirty="0"/>
           </a:p>
           <a:p>
             <a:pPr eaLnBrk="1" hangingPunct="1"/>
-            <a:endParaRPr lang="en-US" altLang="fr-FR" dirty="0" smtClean="0"/>
+            <a:endParaRPr lang="en-US" altLang="fr-FR" dirty="0"/>
           </a:p>
         </p:txBody>
       </p:sp>
@@ -5674,13 +5483,6 @@
   <p:clrMapOvr>
     <a:masterClrMapping/>
   </p:clrMapOvr>
-  <p:timing>
-    <p:tnLst>
-      <p:par>
-        <p:cTn id="1" dur="indefinite" restart="never" nodeType="tmRoot"/>
-      </p:par>
-    </p:tnLst>
-  </p:timing>
 </p:sld>
 </file>
 
@@ -5717,10 +5519,9 @@
           <a:lstStyle/>
           <a:p>
             <a:r>
-              <a:rPr lang="fr-FR" dirty="0" smtClean="0"/>
+              <a:rPr lang="fr-FR" dirty="0"/>
               <a:t>for</a:t>
             </a:r>
-            <a:endParaRPr lang="fr-FR" dirty="0"/>
           </a:p>
         </p:txBody>
       </p:sp>
@@ -5742,15 +5543,7 @@
             <a:pPr eaLnBrk="1" hangingPunct="1"/>
             <a:r>
               <a:rPr lang="fr-FR" dirty="0"/>
-              <a:t>for </a:t>
-            </a:r>
-            <a:r>
-              <a:rPr lang="fr-FR" dirty="0" smtClean="0"/>
-              <a:t>(var </a:t>
-            </a:r>
-            <a:r>
-              <a:rPr lang="fr-FR" dirty="0"/>
-              <a:t>in </a:t>
+              <a:t>for (var in </a:t>
             </a:r>
             <a:r>
               <a:rPr lang="fr-FR" dirty="0" err="1"/>
@@ -5758,89 +5551,85 @@
             </a:r>
             <a:r>
               <a:rPr lang="fr-FR" dirty="0"/>
-              <a:t>) {commandes</a:t>
-            </a:r>
-            <a:r>
-              <a:rPr lang="fr-FR" dirty="0" smtClean="0"/>
-              <a:t>}</a:t>
+              <a:t>) {commandes}</a:t>
             </a:r>
             <a:endParaRPr lang="en-US" dirty="0"/>
           </a:p>
           <a:p>
             <a:pPr lvl="1" eaLnBrk="1" hangingPunct="1"/>
             <a:r>
-              <a:rPr lang="en-US" altLang="fr-FR" dirty="0" err="1" smtClean="0"/>
+              <a:rPr lang="en-US" altLang="fr-FR" dirty="0" err="1"/>
               <a:t>seq</a:t>
             </a:r>
             <a:r>
-              <a:rPr lang="en-US" altLang="fr-FR" dirty="0" smtClean="0"/>
+              <a:rPr lang="en-US" altLang="fr-FR" dirty="0"/>
               <a:t> </a:t>
             </a:r>
             <a:r>
-              <a:rPr lang="en-US" altLang="fr-FR" dirty="0" err="1" smtClean="0"/>
+              <a:rPr lang="en-US" altLang="fr-FR" dirty="0" err="1"/>
               <a:t>peut</a:t>
             </a:r>
             <a:r>
-              <a:rPr lang="en-US" altLang="fr-FR" dirty="0" smtClean="0"/>
+              <a:rPr lang="en-US" altLang="fr-FR" dirty="0"/>
               <a:t> </a:t>
             </a:r>
             <a:r>
-              <a:rPr lang="en-US" altLang="fr-FR" dirty="0" err="1" smtClean="0"/>
+              <a:rPr lang="en-US" altLang="fr-FR" dirty="0" err="1"/>
               <a:t>être</a:t>
             </a:r>
             <a:r>
-              <a:rPr lang="en-US" altLang="fr-FR" dirty="0" smtClean="0"/>
+              <a:rPr lang="en-US" altLang="fr-FR" dirty="0"/>
               <a:t> de </a:t>
             </a:r>
             <a:r>
-              <a:rPr lang="en-US" altLang="fr-FR" dirty="0" err="1" smtClean="0"/>
+              <a:rPr lang="en-US" altLang="fr-FR" dirty="0" err="1"/>
               <a:t>plusieurs</a:t>
             </a:r>
             <a:r>
-              <a:rPr lang="en-US" altLang="fr-FR" dirty="0" smtClean="0"/>
+              <a:rPr lang="en-US" altLang="fr-FR" dirty="0"/>
               <a:t> types encore non </a:t>
             </a:r>
             <a:r>
-              <a:rPr lang="en-US" altLang="fr-FR" dirty="0" err="1" smtClean="0"/>
+              <a:rPr lang="en-US" altLang="fr-FR" dirty="0" err="1"/>
               <a:t>vus</a:t>
             </a:r>
-            <a:endParaRPr lang="en-US" altLang="fr-FR" dirty="0" smtClean="0"/>
+            <a:endParaRPr lang="en-US" altLang="fr-FR" dirty="0"/>
           </a:p>
           <a:p>
             <a:pPr lvl="1" eaLnBrk="1" hangingPunct="1"/>
             <a:r>
-              <a:rPr lang="en-US" altLang="fr-FR" dirty="0" smtClean="0"/>
+              <a:rPr lang="en-US" altLang="fr-FR" dirty="0"/>
               <a:t>pour </a:t>
             </a:r>
             <a:r>
-              <a:rPr lang="en-US" altLang="fr-FR" dirty="0" err="1" smtClean="0"/>
+              <a:rPr lang="en-US" altLang="fr-FR" dirty="0" err="1"/>
               <a:t>l'instant</a:t>
             </a:r>
             <a:r>
-              <a:rPr lang="en-US" altLang="fr-FR" dirty="0" smtClean="0"/>
+              <a:rPr lang="en-US" altLang="fr-FR" dirty="0"/>
               <a:t> </a:t>
             </a:r>
             <a:r>
-              <a:rPr lang="en-US" altLang="fr-FR" dirty="0" err="1" smtClean="0"/>
+              <a:rPr lang="en-US" altLang="fr-FR" dirty="0" err="1"/>
               <a:t>seq</a:t>
             </a:r>
             <a:r>
-              <a:rPr lang="en-US" altLang="fr-FR" dirty="0" smtClean="0"/>
+              <a:rPr lang="en-US" altLang="fr-FR" dirty="0"/>
               <a:t> = </a:t>
             </a:r>
             <a:r>
-              <a:rPr lang="en-US" altLang="fr-FR" dirty="0" err="1" smtClean="0"/>
+              <a:rPr lang="en-US" altLang="fr-FR" dirty="0" err="1"/>
               <a:t>min:max</a:t>
             </a:r>
-            <a:endParaRPr lang="en-US" altLang="fr-FR" dirty="0" smtClean="0"/>
+            <a:endParaRPr lang="en-US" altLang="fr-FR" dirty="0"/>
           </a:p>
           <a:p>
             <a:pPr eaLnBrk="1" hangingPunct="1"/>
             <a:r>
-              <a:rPr lang="en-US" altLang="fr-FR" dirty="0" err="1" smtClean="0"/>
+              <a:rPr lang="en-US" altLang="fr-FR" dirty="0" err="1"/>
               <a:t>Exemple</a:t>
             </a:r>
-            <a:endParaRPr lang="en-US" altLang="fr-FR" dirty="0" smtClean="0"/>
+            <a:endParaRPr lang="en-US" altLang="fr-FR" dirty="0"/>
           </a:p>
           <a:p>
             <a:pPr lvl="1" eaLnBrk="1" hangingPunct="1"/>
@@ -5881,13 +5670,6 @@
   <p:clrMapOvr>
     <a:masterClrMapping/>
   </p:clrMapOvr>
-  <p:timing>
-    <p:tnLst>
-      <p:par>
-        <p:cTn id="1" dur="indefinite" restart="never" nodeType="tmRoot"/>
-      </p:par>
-    </p:tnLst>
-  </p:timing>
 </p:sld>
 </file>
 
